--- a/Dynamic Enumerator Allocation/Paper/Presentation/v1/Slide.pptx
+++ b/Dynamic Enumerator Allocation/Paper/Presentation/v1/Slide.pptx
@@ -5,7 +5,7 @@
     <p:sldMasterId id="2147483660" r:id="rId1"/>
   </p:sldMasterIdLst>
   <p:notesMasterIdLst>
-    <p:notesMasterId r:id="rId18"/>
+    <p:notesMasterId r:id="rId20"/>
   </p:notesMasterIdLst>
   <p:sldIdLst>
     <p:sldId id="256" r:id="rId2"/>
@@ -24,6 +24,8 @@
     <p:sldId id="266" r:id="rId15"/>
     <p:sldId id="271" r:id="rId16"/>
     <p:sldId id="272" r:id="rId17"/>
+    <p:sldId id="273" r:id="rId18"/>
+    <p:sldId id="274" r:id="rId19"/>
   </p:sldIdLst>
   <p:sldSz cx="9144000" cy="6858000" type="screen4x3"/>
   <p:notesSz cx="6858000" cy="9144000"/>
@@ -4069,6 +4071,80 @@
           <a:chExt cx="0" cy="0"/>
         </a:xfrm>
       </p:grpSpPr>
+      <p:sp>
+        <p:nvSpPr>
+          <p:cNvPr id="2" name="Title 1"/>
+          <p:cNvSpPr>
+            <a:spLocks noGrp="1"/>
+          </p:cNvSpPr>
+          <p:nvPr>
+            <p:ph type="ctrTitle"/>
+          </p:nvPr>
+        </p:nvSpPr>
+        <p:spPr/>
+        <p:txBody>
+          <a:bodyPr/>
+          <a:lstStyle/>
+          <a:p>
+            <a:r>
+              <a:rPr lang="en-US" dirty="0">
+                <a:latin typeface="Arial Narrow" pitchFamily="34" charset="0"/>
+              </a:rPr>
+              <a:t>Real-Time Location Recommendation System for</a:t>
+            </a:r>
+            <a:br>
+              <a:rPr lang="en-US" dirty="0">
+                <a:latin typeface="Arial Narrow" pitchFamily="34" charset="0"/>
+              </a:rPr>
+            </a:br>
+            <a:r>
+              <a:rPr lang="en-US" dirty="0">
+                <a:latin typeface="Arial Narrow" pitchFamily="34" charset="0"/>
+              </a:rPr>
+              <a:t>Field Data Collection</a:t>
+            </a:r>
+          </a:p>
+        </p:txBody>
+      </p:sp>
+      <p:sp>
+        <p:nvSpPr>
+          <p:cNvPr id="3" name="Subtitle 2"/>
+          <p:cNvSpPr>
+            <a:spLocks noGrp="1"/>
+          </p:cNvSpPr>
+          <p:nvPr>
+            <p:ph type="subTitle" idx="1"/>
+          </p:nvPr>
+        </p:nvSpPr>
+        <p:spPr/>
+        <p:txBody>
+          <a:bodyPr/>
+          <a:lstStyle/>
+          <a:p>
+            <a:r>
+              <a:rPr lang="en-US" dirty="0" err="1" smtClean="0">
+                <a:latin typeface="Arial Narrow" pitchFamily="34" charset="0"/>
+              </a:rPr>
+              <a:t>Aris</a:t>
+            </a:r>
+            <a:r>
+              <a:rPr lang="en-US" dirty="0" smtClean="0">
+                <a:latin typeface="Arial Narrow" pitchFamily="34" charset="0"/>
+              </a:rPr>
+              <a:t> </a:t>
+            </a:r>
+            <a:r>
+              <a:rPr lang="en-US" dirty="0" err="1" smtClean="0">
+                <a:latin typeface="Arial Narrow" pitchFamily="34" charset="0"/>
+              </a:rPr>
+              <a:t>Prawisudatama</a:t>
+            </a:r>
+            <a:endParaRPr lang="en-US" dirty="0">
+              <a:latin typeface="Arial Narrow" pitchFamily="34" charset="0"/>
+            </a:endParaRPr>
+          </a:p>
+        </p:txBody>
+      </p:sp>
     </p:spTree>
   </p:cSld>
   <p:clrMapOvr>
@@ -6388,6 +6464,13 @@
   <p:clrMapOvr>
     <a:masterClrMapping/>
   </p:clrMapOvr>
+  <p:timing>
+    <p:tnLst>
+      <p:par>
+        <p:cTn id="1" dur="indefinite" restart="never" nodeType="tmRoot"/>
+      </p:par>
+    </p:tnLst>
+  </p:timing>
 </p:sld>
 </file>
 
@@ -6467,6 +6550,13 @@
   <p:clrMapOvr>
     <a:masterClrMapping/>
   </p:clrMapOvr>
+  <p:timing>
+    <p:tnLst>
+      <p:par>
+        <p:cTn id="1" dur="indefinite" restart="never" nodeType="tmRoot"/>
+      </p:par>
+    </p:tnLst>
+  </p:timing>
 </p:sld>
 </file>
 
@@ -6546,6 +6636,13 @@
   <p:clrMapOvr>
     <a:masterClrMapping/>
   </p:clrMapOvr>
+  <p:timing>
+    <p:tnLst>
+      <p:par>
+        <p:cTn id="1" dur="indefinite" restart="never" nodeType="tmRoot"/>
+      </p:par>
+    </p:tnLst>
+  </p:timing>
 </p:sld>
 </file>
 
@@ -6625,6 +6722,13 @@
   <p:clrMapOvr>
     <a:masterClrMapping/>
   </p:clrMapOvr>
+  <p:timing>
+    <p:tnLst>
+      <p:par>
+        <p:cTn id="1" dur="indefinite" restart="never" nodeType="tmRoot"/>
+      </p:par>
+    </p:tnLst>
+  </p:timing>
 </p:sld>
 </file>
 
@@ -6704,6 +6808,193 @@
   <p:clrMapOvr>
     <a:masterClrMapping/>
   </p:clrMapOvr>
+  <p:timing>
+    <p:tnLst>
+      <p:par>
+        <p:cTn id="1" dur="indefinite" restart="never" nodeType="tmRoot"/>
+      </p:par>
+    </p:tnLst>
+  </p:timing>
+</p:sld>
+</file>
+
+<file path=ppt/slides/slide17.xml><?xml version="1.0" encoding="utf-8"?>
+<p:sld xmlns:a="http://schemas.openxmlformats.org/drawingml/2006/main" xmlns:r="http://schemas.openxmlformats.org/officeDocument/2006/relationships" xmlns:p="http://schemas.openxmlformats.org/presentationml/2006/main">
+  <p:cSld>
+    <p:spTree>
+      <p:nvGrpSpPr>
+        <p:cNvPr id="1" name=""/>
+        <p:cNvGrpSpPr/>
+        <p:nvPr/>
+      </p:nvGrpSpPr>
+      <p:grpSpPr>
+        <a:xfrm>
+          <a:off x="0" y="0"/>
+          <a:ext cx="0" cy="0"/>
+          <a:chOff x="0" y="0"/>
+          <a:chExt cx="0" cy="0"/>
+        </a:xfrm>
+      </p:grpSpPr>
+      <p:sp>
+        <p:nvSpPr>
+          <p:cNvPr id="2" name="Title 1"/>
+          <p:cNvSpPr>
+            <a:spLocks noGrp="1"/>
+          </p:cNvSpPr>
+          <p:nvPr>
+            <p:ph type="title"/>
+          </p:nvPr>
+        </p:nvSpPr>
+        <p:spPr/>
+        <p:txBody>
+          <a:bodyPr/>
+          <a:lstStyle/>
+          <a:p>
+            <a:endParaRPr lang="en-US"/>
+          </a:p>
+        </p:txBody>
+      </p:sp>
+      <p:pic>
+        <p:nvPicPr>
+          <p:cNvPr id="1026" name="Picture 2" descr="Z:\home\soedomoto\Documents\test_result_normal_field_coes.png"/>
+          <p:cNvPicPr>
+            <a:picLocks noChangeAspect="1" noChangeArrowheads="1"/>
+          </p:cNvPicPr>
+          <p:nvPr/>
+        </p:nvPicPr>
+        <p:blipFill>
+          <a:blip r:embed="rId2">
+            <a:extLst>
+              <a:ext uri="{28A0092B-C50C-407E-A947-70E740481C1C}">
+                <a14:useLocalDpi xmlns:a14="http://schemas.microsoft.com/office/drawing/2010/main" val="0"/>
+              </a:ext>
+            </a:extLst>
+          </a:blip>
+          <a:srcRect/>
+          <a:stretch>
+            <a:fillRect/>
+          </a:stretch>
+        </p:blipFill>
+        <p:spPr bwMode="auto">
+          <a:xfrm>
+            <a:off x="2417440" y="1556792"/>
+            <a:ext cx="4098776" cy="4968213"/>
+          </a:xfrm>
+          <a:prstGeom prst="rect">
+            <a:avLst/>
+          </a:prstGeom>
+          <a:noFill/>
+          <a:ln w="38100">
+            <a:solidFill>
+              <a:srgbClr val="0070C0"/>
+            </a:solidFill>
+          </a:ln>
+          <a:extLst>
+            <a:ext uri="{909E8E84-426E-40DD-AFC4-6F175D3DCCD1}">
+              <a14:hiddenFill xmlns:a14="http://schemas.microsoft.com/office/drawing/2010/main">
+                <a:solidFill>
+                  <a:srgbClr val="FFFFFF"/>
+                </a:solidFill>
+              </a14:hiddenFill>
+            </a:ext>
+          </a:extLst>
+        </p:spPr>
+      </p:pic>
+    </p:spTree>
+    <p:extLst>
+      <p:ext uri="{BB962C8B-B14F-4D97-AF65-F5344CB8AC3E}">
+        <p14:creationId xmlns:p14="http://schemas.microsoft.com/office/powerpoint/2010/main" val="3625326041"/>
+      </p:ext>
+    </p:extLst>
+  </p:cSld>
+  <p:clrMapOvr>
+    <a:masterClrMapping/>
+  </p:clrMapOvr>
+  <p:timing>
+    <p:tnLst>
+      <p:par>
+        <p:cTn id="1" dur="indefinite" restart="never" nodeType="tmRoot"/>
+      </p:par>
+    </p:tnLst>
+  </p:timing>
+</p:sld>
+</file>
+
+<file path=ppt/slides/slide18.xml><?xml version="1.0" encoding="utf-8"?>
+<p:sld xmlns:a="http://schemas.openxmlformats.org/drawingml/2006/main" xmlns:r="http://schemas.openxmlformats.org/officeDocument/2006/relationships" xmlns:p="http://schemas.openxmlformats.org/presentationml/2006/main">
+  <p:cSld>
+    <p:spTree>
+      <p:nvGrpSpPr>
+        <p:cNvPr id="1" name=""/>
+        <p:cNvGrpSpPr/>
+        <p:nvPr/>
+      </p:nvGrpSpPr>
+      <p:grpSpPr>
+        <a:xfrm>
+          <a:off x="0" y="0"/>
+          <a:ext cx="0" cy="0"/>
+          <a:chOff x="0" y="0"/>
+          <a:chExt cx="0" cy="0"/>
+        </a:xfrm>
+      </p:grpSpPr>
+      <p:pic>
+        <p:nvPicPr>
+          <p:cNvPr id="2049" name="Picture 1" descr="Z:\home\soedomoto\Documents\thank_you.jpg"/>
+          <p:cNvPicPr>
+            <a:picLocks noChangeAspect="1" noChangeArrowheads="1"/>
+          </p:cNvPicPr>
+          <p:nvPr/>
+        </p:nvPicPr>
+        <p:blipFill>
+          <a:blip r:embed="rId2">
+            <a:extLst>
+              <a:ext uri="{28A0092B-C50C-407E-A947-70E740481C1C}">
+                <a14:useLocalDpi xmlns:a14="http://schemas.microsoft.com/office/drawing/2010/main" val="0"/>
+              </a:ext>
+            </a:extLst>
+          </a:blip>
+          <a:srcRect/>
+          <a:stretch>
+            <a:fillRect/>
+          </a:stretch>
+        </p:blipFill>
+        <p:spPr bwMode="auto">
+          <a:xfrm>
+            <a:off x="1397000" y="1301750"/>
+            <a:ext cx="6350000" cy="4254500"/>
+          </a:xfrm>
+          <a:prstGeom prst="rect">
+            <a:avLst/>
+          </a:prstGeom>
+          <a:noFill/>
+          <a:extLst>
+            <a:ext uri="{909E8E84-426E-40DD-AFC4-6F175D3DCCD1}">
+              <a14:hiddenFill xmlns:a14="http://schemas.microsoft.com/office/drawing/2010/main">
+                <a:solidFill>
+                  <a:srgbClr val="FFFFFF"/>
+                </a:solidFill>
+              </a14:hiddenFill>
+            </a:ext>
+          </a:extLst>
+        </p:spPr>
+      </p:pic>
+    </p:spTree>
+    <p:extLst>
+      <p:ext uri="{BB962C8B-B14F-4D97-AF65-F5344CB8AC3E}">
+        <p14:creationId xmlns:p14="http://schemas.microsoft.com/office/powerpoint/2010/main" val="3348230588"/>
+      </p:ext>
+    </p:extLst>
+  </p:cSld>
+  <p:clrMapOvr>
+    <a:masterClrMapping/>
+  </p:clrMapOvr>
+  <p:timing>
+    <p:tnLst>
+      <p:par>
+        <p:cTn id="1" dur="indefinite" restart="never" nodeType="tmRoot"/>
+      </p:par>
+    </p:tnLst>
+  </p:timing>
 </p:sld>
 </file>
 
